--- a/apssdc.pptx
+++ b/apssdc.pptx
@@ -4358,15 +4358,7 @@
                   <a:srgbClr val="002060"/>
                 </a:solidFill>
               </a:rPr>
-              <a:t> </a:t>
-            </a:r>
-            <a:r>
-              <a:rPr lang="en-GB" sz="2400" dirty="0" smtClean="0">
-                <a:solidFill>
-                  <a:srgbClr val="002060"/>
-                </a:solidFill>
-              </a:rPr>
-              <a:t>school of technology and sciences for women  </a:t>
+              <a:t> school of technology and sciences for women  </a:t>
             </a:r>
           </a:p>
           <a:p>
@@ -5981,6 +5973,15 @@
 </file>
 
 <file path=customXml/item2.xml><?xml version="1.0" encoding="utf-8"?>
+<?mso-contentType ?>
+<FormTemplates xmlns="http://schemas.microsoft.com/sharepoint/v3/contenttype/forms">
+  <Display>DocumentLibraryForm</Display>
+  <Edit>DocumentLibraryForm</Edit>
+  <New>DocumentLibraryForm</New>
+</FormTemplates>
+</file>
+
+<file path=customXml/item3.xml><?xml version="1.0" encoding="utf-8"?>
 <ct:contentTypeSchema xmlns:ct="http://schemas.microsoft.com/office/2006/metadata/contentType" xmlns:ma="http://schemas.microsoft.com/office/2006/metadata/properties/metaAttributes" ct:_="" ma:_="" ma:contentTypeName="Document" ma:contentTypeID="0x01010079F111ED35F8CC479449609E8A0923A6" ma:contentTypeVersion="12" ma:contentTypeDescription="Create a new document." ma:contentTypeScope="" ma:versionID="a410dd7f93c95333ffa1b60ed6adedd1">
   <xsd:schema xmlns:xsd="http://www.w3.org/2001/XMLSchema" xmlns:xs="http://www.w3.org/2001/XMLSchema" xmlns:p="http://schemas.microsoft.com/office/2006/metadata/properties" xmlns:ns2="71af3243-3dd4-4a8d-8c0d-dd76da1f02a5" xmlns:ns3="16c05727-aa75-4e4a-9b5f-8a80a1165891" targetNamespace="http://schemas.microsoft.com/office/2006/metadata/properties" ma:root="true" ma:fieldsID="a936d9baba76aa3866493feff160faab" ns2:_="" ns3:_="">
     <xsd:import namespace="71af3243-3dd4-4a8d-8c0d-dd76da1f02a5"/>
@@ -6201,15 +6202,6 @@
 </ct:contentTypeSchema>
 </file>
 
-<file path=customXml/item3.xml><?xml version="1.0" encoding="utf-8"?>
-<?mso-contentType ?>
-<FormTemplates xmlns="http://schemas.microsoft.com/sharepoint/v3/contenttype/forms">
-  <Display>DocumentLibraryForm</Display>
-  <Edit>DocumentLibraryForm</Edit>
-  <New>DocumentLibraryForm</New>
-</FormTemplates>
-</file>
-
 <file path=customXml/itemProps1.xml><?xml version="1.0" encoding="utf-8"?>
 <ds:datastoreItem xmlns:ds="http://schemas.openxmlformats.org/officeDocument/2006/customXml" ds:itemID="{8D289AE2-D2AE-49D1-AFAC-3A79F6794255}">
   <ds:schemaRefs/>
@@ -6217,13 +6209,13 @@
 </file>
 
 <file path=customXml/itemProps2.xml><?xml version="1.0" encoding="utf-8"?>
-<ds:datastoreItem xmlns:ds="http://schemas.openxmlformats.org/officeDocument/2006/customXml" ds:itemID="{41E7CA09-9778-4414-AE97-8064B12DA30E}">
+<ds:datastoreItem xmlns:ds="http://schemas.openxmlformats.org/officeDocument/2006/customXml" ds:itemID="{927BD4C1-B6B1-4715-ABF9-E660A51A4EA0}">
   <ds:schemaRefs/>
 </ds:datastoreItem>
 </file>
 
 <file path=customXml/itemProps3.xml><?xml version="1.0" encoding="utf-8"?>
-<ds:datastoreItem xmlns:ds="http://schemas.openxmlformats.org/officeDocument/2006/customXml" ds:itemID="{927BD4C1-B6B1-4715-ABF9-E660A51A4EA0}">
+<ds:datastoreItem xmlns:ds="http://schemas.openxmlformats.org/officeDocument/2006/customXml" ds:itemID="{41E7CA09-9778-4414-AE97-8064B12DA30E}">
   <ds:schemaRefs/>
 </ds:datastoreItem>
 </file>